--- a/with_god.pptx
+++ b/with_god.pptx
@@ -3284,7 +3284,7 @@
           <a:p>
             <a:r>
               <a:rPr lang="en-US" dirty="0"/>
-              <a:t>Which model has performed the best? And also add the previous study result</a:t>
+              <a:t>Which model has performed the best? And also add the previous study result. Xixuan’s result</a:t>
             </a:r>
           </a:p>
         </p:txBody>
@@ -3411,6 +3411,110 @@
     <p:extLst>
       <p:ext uri="{BB962C8B-B14F-4D97-AF65-F5344CB8AC3E}">
         <p14:creationId xmlns:p14="http://schemas.microsoft.com/office/powerpoint/2010/main" val="377863581"/>
+      </p:ext>
+    </p:extLst>
+  </p:cSld>
+  <p:clrMapOvr>
+    <a:masterClrMapping/>
+  </p:clrMapOvr>
+</p:notes>
+</file>
+
+<file path=ppt/notesSlides/notesSlide8.xml><?xml version="1.0" encoding="utf-8"?>
+<p:notes xmlns:a="http://schemas.openxmlformats.org/drawingml/2006/main" xmlns:r="http://schemas.openxmlformats.org/officeDocument/2006/relationships" xmlns:p="http://schemas.openxmlformats.org/presentationml/2006/main">
+  <p:cSld>
+    <p:spTree>
+      <p:nvGrpSpPr>
+        <p:cNvPr id="1" name=""/>
+        <p:cNvGrpSpPr/>
+        <p:nvPr/>
+      </p:nvGrpSpPr>
+      <p:grpSpPr>
+        <a:xfrm>
+          <a:off x="0" y="0"/>
+          <a:ext cx="0" cy="0"/>
+          <a:chOff x="0" y="0"/>
+          <a:chExt cx="0" cy="0"/>
+        </a:xfrm>
+      </p:grpSpPr>
+      <p:sp>
+        <p:nvSpPr>
+          <p:cNvPr id="2" name="Slide Image Placeholder 1"/>
+          <p:cNvSpPr>
+            <a:spLocks noGrp="1" noRot="1" noChangeAspect="1"/>
+          </p:cNvSpPr>
+          <p:nvPr>
+            <p:ph type="sldImg"/>
+          </p:nvPr>
+        </p:nvSpPr>
+        <p:spPr/>
+      </p:sp>
+      <p:sp>
+        <p:nvSpPr>
+          <p:cNvPr id="3" name="Notes Placeholder 2"/>
+          <p:cNvSpPr>
+            <a:spLocks noGrp="1"/>
+          </p:cNvSpPr>
+          <p:nvPr>
+            <p:ph type="body" idx="1"/>
+          </p:nvPr>
+        </p:nvSpPr>
+        <p:spPr/>
+        <p:txBody>
+          <a:bodyPr/>
+          <a:lstStyle/>
+          <a:p>
+            <a:r>
+              <a:rPr lang="en-US" dirty="0"/>
+              <a:t>With part 1’s best result being the </a:t>
+            </a:r>
+            <a:r>
+              <a:rPr lang="en-US" dirty="0" err="1"/>
+              <a:t>xgb</a:t>
+            </a:r>
+            <a:r>
+              <a:rPr lang="en-US" dirty="0"/>
+              <a:t> regression approach, we bring it to the next stage of the project, the estimation of the EFP usage rate using a mapping function. </a:t>
+            </a:r>
+          </a:p>
+          <a:p>
+            <a:endParaRPr lang="en-US" dirty="0"/>
+          </a:p>
+          <a:p>
+            <a:r>
+              <a:rPr lang="en-US" dirty="0"/>
+              <a:t>Allow me to first introduce the generation of the mapping function and its inputs. With the baseline historical data of </a:t>
+            </a:r>
+          </a:p>
+        </p:txBody>
+      </p:sp>
+      <p:sp>
+        <p:nvSpPr>
+          <p:cNvPr id="4" name="Slide Number Placeholder 3"/>
+          <p:cNvSpPr>
+            <a:spLocks noGrp="1"/>
+          </p:cNvSpPr>
+          <p:nvPr>
+            <p:ph type="sldNum" sz="quarter" idx="5"/>
+          </p:nvPr>
+        </p:nvSpPr>
+        <p:spPr/>
+        <p:txBody>
+          <a:bodyPr/>
+          <a:lstStyle/>
+          <a:p>
+            <a:fld id="{F65504EF-3CA6-F547-A282-61C022E78DB9}" type="slidenum">
+              <a:rPr lang="en-US" smtClean="0"/>
+              <a:t>8</a:t>
+            </a:fld>
+            <a:endParaRPr lang="en-US"/>
+          </a:p>
+        </p:txBody>
+      </p:sp>
+    </p:spTree>
+    <p:extLst>
+      <p:ext uri="{BB962C8B-B14F-4D97-AF65-F5344CB8AC3E}">
+        <p14:creationId xmlns:p14="http://schemas.microsoft.com/office/powerpoint/2010/main" val="2064901975"/>
       </p:ext>
     </p:extLst>
   </p:cSld>
@@ -14217,6 +14321,147 @@
                 <a:cs typeface="Calibri" panose="020F0502020204030204" pitchFamily="34" charset="0"/>
               </a:rPr>
               <a:t>Data &amp; Mapping Function Generation</a:t>
+            </a:r>
+          </a:p>
+        </p:txBody>
+      </p:sp>
+      <p:pic>
+        <p:nvPicPr>
+          <p:cNvPr id="3" name="Picture 2">
+            <a:extLst>
+              <a:ext uri="{FF2B5EF4-FFF2-40B4-BE49-F238E27FC236}">
+                <a16:creationId xmlns:a16="http://schemas.microsoft.com/office/drawing/2014/main" id="{8C445275-21CA-9C97-9926-99DE1BD363FC}"/>
+              </a:ext>
+            </a:extLst>
+          </p:cNvPr>
+          <p:cNvPicPr>
+            <a:picLocks noChangeAspect="1"/>
+          </p:cNvPicPr>
+          <p:nvPr/>
+        </p:nvPicPr>
+        <p:blipFill>
+          <a:blip r:embed="rId3"/>
+          <a:stretch>
+            <a:fillRect/>
+          </a:stretch>
+        </p:blipFill>
+        <p:spPr>
+          <a:xfrm>
+            <a:off x="1274851" y="1491992"/>
+            <a:ext cx="6613329" cy="4704090"/>
+          </a:xfrm>
+          <a:prstGeom prst="rect">
+            <a:avLst/>
+          </a:prstGeom>
+        </p:spPr>
+      </p:pic>
+      <p:sp>
+        <p:nvSpPr>
+          <p:cNvPr id="4" name="TextBox 3">
+            <a:extLst>
+              <a:ext uri="{FF2B5EF4-FFF2-40B4-BE49-F238E27FC236}">
+                <a16:creationId xmlns:a16="http://schemas.microsoft.com/office/drawing/2014/main" id="{E5CED4B4-7F83-A752-8CC3-929D951B045E}"/>
+              </a:ext>
+            </a:extLst>
+          </p:cNvPr>
+          <p:cNvSpPr txBox="1"/>
+          <p:nvPr/>
+        </p:nvSpPr>
+        <p:spPr>
+          <a:xfrm rot="5400000">
+            <a:off x="657290" y="3259723"/>
+            <a:ext cx="1566391" cy="338554"/>
+          </a:xfrm>
+          <a:prstGeom prst="rect">
+            <a:avLst/>
+          </a:prstGeom>
+          <a:solidFill>
+            <a:schemeClr val="bg1"/>
+          </a:solidFill>
+        </p:spPr>
+        <p:txBody>
+          <a:bodyPr wrap="none" rtlCol="0">
+            <a:spAutoFit/>
+          </a:bodyPr>
+          <a:lstStyle/>
+          <a:p>
+            <a:r>
+              <a:rPr lang="en-US" sz="1600" dirty="0"/>
+              <a:t>EFP Usage Rate</a:t>
+            </a:r>
+          </a:p>
+        </p:txBody>
+      </p:sp>
+      <p:sp>
+        <p:nvSpPr>
+          <p:cNvPr id="5" name="TextBox 4">
+            <a:extLst>
+              <a:ext uri="{FF2B5EF4-FFF2-40B4-BE49-F238E27FC236}">
+                <a16:creationId xmlns:a16="http://schemas.microsoft.com/office/drawing/2014/main" id="{E3AADC6F-F7AB-04F5-1A75-DACE05B91C63}"/>
+              </a:ext>
+            </a:extLst>
+          </p:cNvPr>
+          <p:cNvSpPr txBox="1"/>
+          <p:nvPr/>
+        </p:nvSpPr>
+        <p:spPr>
+          <a:xfrm rot="1878367">
+            <a:off x="1608207" y="5521288"/>
+            <a:ext cx="1715726" cy="338554"/>
+          </a:xfrm>
+          <a:prstGeom prst="rect">
+            <a:avLst/>
+          </a:prstGeom>
+          <a:solidFill>
+            <a:schemeClr val="bg1"/>
+          </a:solidFill>
+        </p:spPr>
+        <p:txBody>
+          <a:bodyPr wrap="none" rtlCol="0">
+            <a:spAutoFit/>
+          </a:bodyPr>
+          <a:lstStyle/>
+          <a:p>
+            <a:r>
+              <a:rPr lang="en-US" sz="1600" dirty="0"/>
+              <a:t>EFP AQ / Total AQ</a:t>
+            </a:r>
+          </a:p>
+        </p:txBody>
+      </p:sp>
+      <p:sp>
+        <p:nvSpPr>
+          <p:cNvPr id="6" name="TextBox 5">
+            <a:extLst>
+              <a:ext uri="{FF2B5EF4-FFF2-40B4-BE49-F238E27FC236}">
+                <a16:creationId xmlns:a16="http://schemas.microsoft.com/office/drawing/2014/main" id="{B2C42198-754A-3088-9E00-CDF72B00969F}"/>
+              </a:ext>
+            </a:extLst>
+          </p:cNvPr>
+          <p:cNvSpPr txBox="1"/>
+          <p:nvPr/>
+        </p:nvSpPr>
+        <p:spPr>
+          <a:xfrm rot="20965330">
+            <a:off x="5231443" y="5747165"/>
+            <a:ext cx="1648528" cy="338554"/>
+          </a:xfrm>
+          <a:prstGeom prst="rect">
+            <a:avLst/>
+          </a:prstGeom>
+          <a:solidFill>
+            <a:schemeClr val="bg1"/>
+          </a:solidFill>
+        </p:spPr>
+        <p:txBody>
+          <a:bodyPr wrap="none" rtlCol="0">
+            <a:spAutoFit/>
+          </a:bodyPr>
+          <a:lstStyle/>
+          <a:p>
+            <a:r>
+              <a:rPr lang="en-US" sz="1600" dirty="0"/>
+              <a:t>Total Usage Rate</a:t>
             </a:r>
           </a:p>
         </p:txBody>

--- a/with_god.pptx
+++ b/with_god.pptx
@@ -3077,6 +3077,11 @@
             </a:r>
           </a:p>
           <a:p>
+            <a:endParaRPr lang="en-SG" dirty="0">
+              <a:effectLst/>
+            </a:endParaRPr>
+          </a:p>
+          <a:p>
             <a:endParaRPr lang="en-SG" dirty="0"/>
           </a:p>
           <a:p>
@@ -3092,6 +3097,43 @@
               <a:rPr lang="en-SG" dirty="0"/>
               <a:t> selection is done on the correlation check between between each feature and the target and not between the features)</a:t>
             </a:r>
+          </a:p>
+          <a:p>
+            <a:endParaRPr lang="en-SG" dirty="0"/>
+          </a:p>
+          <a:p>
+            <a:pPr marL="0" marR="0" lvl="0" indent="0" algn="l" defTabSz="914400" rtl="0" eaLnBrk="1" fontAlgn="auto" latinLnBrk="0" hangingPunct="1">
+              <a:lnSpc>
+                <a:spcPct val="100000"/>
+              </a:lnSpc>
+              <a:spcBef>
+                <a:spcPts val="0"/>
+              </a:spcBef>
+              <a:spcAft>
+                <a:spcPts val="0"/>
+              </a:spcAft>
+              <a:buClrTx/>
+              <a:buSzTx/>
+              <a:buFontTx/>
+              <a:buNone/>
+              <a:tabLst/>
+              <a:defRPr/>
+            </a:pPr>
+            <a:r>
+              <a:rPr lang="en-US" dirty="0"/>
+              <a:t>Make sure that I can explain how </a:t>
+            </a:r>
+            <a:r>
+              <a:rPr lang="en-US" dirty="0" err="1"/>
+              <a:t>optuna</a:t>
+            </a:r>
+            <a:r>
+              <a:rPr lang="en-US" dirty="0"/>
+              <a:t> works in laymen term. </a:t>
+            </a:r>
+          </a:p>
+          <a:p>
+            <a:endParaRPr lang="en-SG" dirty="0"/>
           </a:p>
           <a:p>
             <a:endParaRPr lang="en-SG" dirty="0"/>
@@ -3187,18 +3229,7 @@
           <a:bodyPr/>
           <a:lstStyle/>
           <a:p>
-            <a:r>
-              <a:rPr lang="en-US" dirty="0"/>
-              <a:t>Make sure that I can explain how </a:t>
-            </a:r>
-            <a:r>
-              <a:rPr lang="en-US" dirty="0" err="1"/>
-              <a:t>optuna</a:t>
-            </a:r>
-            <a:r>
-              <a:rPr lang="en-US" dirty="0"/>
-              <a:t> works in laymen term</a:t>
-            </a:r>
+            <a:endParaRPr lang="en-US" dirty="0"/>
           </a:p>
         </p:txBody>
       </p:sp>
@@ -3483,8 +3514,63 @@
           <a:p>
             <a:r>
               <a:rPr lang="en-US" dirty="0"/>
-              <a:t>Allow me to first introduce the generation of the mapping function and its inputs. With the baseline historical data of </a:t>
-            </a:r>
+              <a:t>Allow me to first introduce the generation of the mapping function and its inputs. With the baseline historical data of the three inputs of Total Usage Rate as x axis, EFP AQ relative to the total avail qty as y axis and lastly EFP Usage Rate as z axis.</a:t>
+            </a:r>
+          </a:p>
+          <a:p>
+            <a:endParaRPr lang="en-US" dirty="0"/>
+          </a:p>
+          <a:p>
+            <a:r>
+              <a:rPr lang="en-US" dirty="0"/>
+              <a:t>Then, we can observe that at a high EFP AQ </a:t>
+            </a:r>
+            <a:r>
+              <a:rPr lang="en-US" dirty="0" err="1"/>
+              <a:t>wrt</a:t>
+            </a:r>
+            <a:r>
+              <a:rPr lang="en-US" dirty="0"/>
+              <a:t> to total inventory </a:t>
+            </a:r>
+            <a:r>
+              <a:rPr lang="en-US" dirty="0" err="1"/>
+              <a:t>aq</a:t>
+            </a:r>
+            <a:r>
+              <a:rPr lang="en-US" dirty="0"/>
+              <a:t>, the relationship between the total inventory usage rate and EFP usage rate is linear.  (explain why it is expected)</a:t>
+            </a:r>
+          </a:p>
+          <a:p>
+            <a:endParaRPr lang="en-US" dirty="0"/>
+          </a:p>
+          <a:p>
+            <a:r>
+              <a:rPr lang="en-US" dirty="0"/>
+              <a:t>And at the rest of the range of EFP AQ </a:t>
+            </a:r>
+            <a:r>
+              <a:rPr lang="en-US" dirty="0" err="1"/>
+              <a:t>wrt</a:t>
+            </a:r>
+            <a:r>
+              <a:rPr lang="en-US" dirty="0"/>
+              <a:t> to the total inventory </a:t>
+            </a:r>
+            <a:r>
+              <a:rPr lang="en-US" dirty="0" err="1"/>
+              <a:t>aq</a:t>
+            </a:r>
+            <a:r>
+              <a:rPr lang="en-US" dirty="0"/>
+              <a:t>, the r/s between total inventory usage rate and EFP usage rate is non linear as shown </a:t>
+            </a:r>
+            <a:r>
+              <a:rPr lang="en-US"/>
+              <a:t>here the 2D cut.</a:t>
+            </a:r>
+            <a:endParaRPr lang="en-US" dirty="0"/>
           </a:p>
         </p:txBody>
       </p:sp>
@@ -13082,7 +13168,7 @@
         </p:nvSpPr>
         <p:spPr>
           <a:xfrm>
-            <a:off x="233916" y="158059"/>
+            <a:off x="206620" y="35227"/>
             <a:ext cx="5442003" cy="646331"/>
           </a:xfrm>
           <a:prstGeom prst="rect">
@@ -13142,7 +13228,7 @@
         </p:nvCxnSpPr>
         <p:spPr>
           <a:xfrm>
-            <a:off x="254211" y="896479"/>
+            <a:off x="143945" y="681558"/>
             <a:ext cx="5991368" cy="0"/>
           </a:xfrm>
           <a:prstGeom prst="line">
@@ -13174,51 +13260,6 @@
       </p:cxnSp>
       <p:sp>
         <p:nvSpPr>
-          <p:cNvPr id="5" name="TextBox 4">
-            <a:extLst>
-              <a:ext uri="{FF2B5EF4-FFF2-40B4-BE49-F238E27FC236}">
-                <a16:creationId xmlns:a16="http://schemas.microsoft.com/office/drawing/2014/main" id="{5A4F4F07-D2C4-D7D1-AD03-57EE7EF94091}"/>
-              </a:ext>
-            </a:extLst>
-          </p:cNvPr>
-          <p:cNvSpPr txBox="1"/>
-          <p:nvPr/>
-        </p:nvSpPr>
-        <p:spPr>
-          <a:xfrm>
-            <a:off x="2393038" y="1273563"/>
-            <a:ext cx="3708597" cy="492443"/>
-          </a:xfrm>
-          <a:prstGeom prst="rect">
-            <a:avLst/>
-          </a:prstGeom>
-          <a:solidFill>
-            <a:schemeClr val="bg2"/>
-          </a:solidFill>
-          <a:ln>
-            <a:noFill/>
-          </a:ln>
-        </p:spPr>
-        <p:txBody>
-          <a:bodyPr wrap="square">
-            <a:spAutoFit/>
-          </a:bodyPr>
-          <a:lstStyle/>
-          <a:p>
-            <a:r>
-              <a:rPr lang="en-SG" sz="1300" dirty="0" err="1"/>
-              <a:t>tsfresh</a:t>
-            </a:r>
-            <a:r>
-              <a:rPr lang="en-SG" sz="1300" dirty="0"/>
-              <a:t> auto-generates 750+ time-series features to capture temporal patterns for ML models.</a:t>
-            </a:r>
-            <a:endParaRPr lang="en-US" sz="1300" dirty="0"/>
-          </a:p>
-        </p:txBody>
-      </p:sp>
-      <p:sp>
-        <p:nvSpPr>
           <p:cNvPr id="6" name="TextBox 5">
             <a:extLst>
               <a:ext uri="{FF2B5EF4-FFF2-40B4-BE49-F238E27FC236}">
@@ -13231,7 +13272,7 @@
         </p:nvSpPr>
         <p:spPr>
           <a:xfrm>
-            <a:off x="377178" y="1330997"/>
+            <a:off x="0" y="734374"/>
             <a:ext cx="1427740" cy="292388"/>
           </a:xfrm>
           <a:prstGeom prst="rect">
@@ -13257,58 +13298,6 @@
               <a:rPr lang="en-SG" sz="1300" dirty="0"/>
               <a:t>?</a:t>
             </a:r>
-          </a:p>
-        </p:txBody>
-      </p:sp>
-      <p:sp>
-        <p:nvSpPr>
-          <p:cNvPr id="7" name="Right Arrow 6">
-            <a:extLst>
-              <a:ext uri="{FF2B5EF4-FFF2-40B4-BE49-F238E27FC236}">
-                <a16:creationId xmlns:a16="http://schemas.microsoft.com/office/drawing/2014/main" id="{A5762701-72BC-667B-1731-B40DBAB690B2}"/>
-              </a:ext>
-            </a:extLst>
-          </p:cNvPr>
-          <p:cNvSpPr/>
-          <p:nvPr/>
-        </p:nvSpPr>
-        <p:spPr>
-          <a:xfrm>
-            <a:off x="1850999" y="1431287"/>
-            <a:ext cx="354842" cy="84079"/>
-          </a:xfrm>
-          <a:prstGeom prst="rightArrow">
-            <a:avLst/>
-          </a:prstGeom>
-          <a:solidFill>
-            <a:schemeClr val="tx2"/>
-          </a:solidFill>
-          <a:ln>
-            <a:noFill/>
-          </a:ln>
-        </p:spPr>
-        <p:style>
-          <a:lnRef idx="2">
-            <a:schemeClr val="accent1">
-              <a:shade val="15000"/>
-            </a:schemeClr>
-          </a:lnRef>
-          <a:fillRef idx="1">
-            <a:schemeClr val="accent1"/>
-          </a:fillRef>
-          <a:effectRef idx="0">
-            <a:schemeClr val="accent1"/>
-          </a:effectRef>
-          <a:fontRef idx="minor">
-            <a:schemeClr val="lt1"/>
-          </a:fontRef>
-        </p:style>
-        <p:txBody>
-          <a:bodyPr rtlCol="0" anchor="ctr"/>
-          <a:lstStyle/>
-          <a:p>
-            <a:pPr algn="ctr"/>
-            <a:endParaRPr lang="en-US"/>
           </a:p>
         </p:txBody>
       </p:sp>
@@ -13334,7 +13323,7 @@
         </p:blipFill>
         <p:spPr>
           <a:xfrm>
-            <a:off x="59768" y="4638858"/>
+            <a:off x="0" y="3392826"/>
             <a:ext cx="4292146" cy="2006491"/>
           </a:xfrm>
           <a:prstGeom prst="rect">
@@ -13364,7 +13353,7 @@
         </p:blipFill>
         <p:spPr>
           <a:xfrm>
-            <a:off x="4751507" y="2103125"/>
+            <a:off x="-6562" y="5276208"/>
             <a:ext cx="4138282" cy="803839"/>
           </a:xfrm>
           <a:prstGeom prst="rect">
@@ -13395,7 +13384,7 @@
         </p:blipFill>
         <p:spPr>
           <a:xfrm>
-            <a:off x="5401220" y="3549117"/>
+            <a:off x="-6562" y="6054161"/>
             <a:ext cx="3164194" cy="803839"/>
           </a:xfrm>
           <a:prstGeom prst="rect">
@@ -13403,127 +13392,6 @@
           </a:prstGeom>
         </p:spPr>
       </p:pic>
-      <p:cxnSp>
-        <p:nvCxnSpPr>
-          <p:cNvPr id="13" name="Straight Arrow Connector 12">
-            <a:extLst>
-              <a:ext uri="{FF2B5EF4-FFF2-40B4-BE49-F238E27FC236}">
-                <a16:creationId xmlns:a16="http://schemas.microsoft.com/office/drawing/2014/main" id="{841ED921-DE5B-06D7-FC25-A7C2EEEA7DFA}"/>
-              </a:ext>
-            </a:extLst>
-          </p:cNvPr>
-          <p:cNvCxnSpPr>
-            <a:cxnSpLocks/>
-          </p:cNvCxnSpPr>
-          <p:nvPr/>
-        </p:nvCxnSpPr>
-        <p:spPr>
-          <a:xfrm>
-            <a:off x="2142478" y="4255081"/>
-            <a:ext cx="0" cy="275976"/>
-          </a:xfrm>
-          <a:prstGeom prst="straightConnector1">
-            <a:avLst/>
-          </a:prstGeom>
-          <a:ln>
-            <a:tailEnd type="triangle"/>
-          </a:ln>
-        </p:spPr>
-        <p:style>
-          <a:lnRef idx="2">
-            <a:schemeClr val="accent1"/>
-          </a:lnRef>
-          <a:fillRef idx="0">
-            <a:schemeClr val="accent1"/>
-          </a:fillRef>
-          <a:effectRef idx="1">
-            <a:schemeClr val="accent1"/>
-          </a:effectRef>
-          <a:fontRef idx="minor">
-            <a:schemeClr val="tx1"/>
-          </a:fontRef>
-        </p:style>
-      </p:cxnSp>
-      <p:cxnSp>
-        <p:nvCxnSpPr>
-          <p:cNvPr id="15" name="Straight Arrow Connector 14">
-            <a:extLst>
-              <a:ext uri="{FF2B5EF4-FFF2-40B4-BE49-F238E27FC236}">
-                <a16:creationId xmlns:a16="http://schemas.microsoft.com/office/drawing/2014/main" id="{F0C74F95-083E-E4AD-E71D-23BB91C13AB6}"/>
-              </a:ext>
-            </a:extLst>
-          </p:cNvPr>
-          <p:cNvCxnSpPr/>
-          <p:nvPr/>
-        </p:nvCxnSpPr>
-        <p:spPr>
-          <a:xfrm flipV="1">
-            <a:off x="3907778" y="3048792"/>
-            <a:ext cx="978121" cy="1482265"/>
-          </a:xfrm>
-          <a:prstGeom prst="straightConnector1">
-            <a:avLst/>
-          </a:prstGeom>
-          <a:ln>
-            <a:tailEnd type="triangle"/>
-          </a:ln>
-        </p:spPr>
-        <p:style>
-          <a:lnRef idx="2">
-            <a:schemeClr val="accent1"/>
-          </a:lnRef>
-          <a:fillRef idx="0">
-            <a:schemeClr val="accent1"/>
-          </a:fillRef>
-          <a:effectRef idx="1">
-            <a:schemeClr val="accent1"/>
-          </a:effectRef>
-          <a:fontRef idx="minor">
-            <a:schemeClr val="tx1"/>
-          </a:fontRef>
-        </p:style>
-      </p:cxnSp>
-      <p:cxnSp>
-        <p:nvCxnSpPr>
-          <p:cNvPr id="17" name="Straight Arrow Connector 16">
-            <a:extLst>
-              <a:ext uri="{FF2B5EF4-FFF2-40B4-BE49-F238E27FC236}">
-                <a16:creationId xmlns:a16="http://schemas.microsoft.com/office/drawing/2014/main" id="{F1E3C7E7-2451-041B-E73B-29148AE8563E}"/>
-              </a:ext>
-            </a:extLst>
-          </p:cNvPr>
-          <p:cNvCxnSpPr>
-            <a:endCxn id="11" idx="0"/>
-          </p:cNvCxnSpPr>
-          <p:nvPr/>
-        </p:nvCxnSpPr>
-        <p:spPr>
-          <a:xfrm>
-            <a:off x="6983317" y="2906964"/>
-            <a:ext cx="0" cy="642153"/>
-          </a:xfrm>
-          <a:prstGeom prst="straightConnector1">
-            <a:avLst/>
-          </a:prstGeom>
-          <a:ln>
-            <a:tailEnd type="triangle"/>
-          </a:ln>
-        </p:spPr>
-        <p:style>
-          <a:lnRef idx="2">
-            <a:schemeClr val="accent1"/>
-          </a:lnRef>
-          <a:fillRef idx="0">
-            <a:schemeClr val="accent1"/>
-          </a:fillRef>
-          <a:effectRef idx="1">
-            <a:schemeClr val="accent1"/>
-          </a:effectRef>
-          <a:fontRef idx="minor">
-            <a:schemeClr val="tx1"/>
-          </a:fontRef>
-        </p:style>
-      </p:cxnSp>
       <p:pic>
         <p:nvPicPr>
           <p:cNvPr id="18" name="Picture 17">
@@ -13546,8 +13414,201 @@
         </p:blipFill>
         <p:spPr>
           <a:xfrm>
-            <a:off x="457078" y="1962743"/>
+            <a:off x="482789" y="1458683"/>
             <a:ext cx="3015278" cy="1995405"/>
+          </a:xfrm>
+          <a:prstGeom prst="rect">
+            <a:avLst/>
+          </a:prstGeom>
+        </p:spPr>
+      </p:pic>
+      <p:sp>
+        <p:nvSpPr>
+          <p:cNvPr id="5" name="TextBox 4">
+            <a:extLst>
+              <a:ext uri="{FF2B5EF4-FFF2-40B4-BE49-F238E27FC236}">
+                <a16:creationId xmlns:a16="http://schemas.microsoft.com/office/drawing/2014/main" id="{5A4F4F07-D2C4-D7D1-AD03-57EE7EF94091}"/>
+              </a:ext>
+            </a:extLst>
+          </p:cNvPr>
+          <p:cNvSpPr txBox="1"/>
+          <p:nvPr/>
+        </p:nvSpPr>
+        <p:spPr>
+          <a:xfrm>
+            <a:off x="3249" y="990611"/>
+            <a:ext cx="3827073" cy="492443"/>
+          </a:xfrm>
+          <a:prstGeom prst="rect">
+            <a:avLst/>
+          </a:prstGeom>
+          <a:solidFill>
+            <a:schemeClr val="bg2"/>
+          </a:solidFill>
+          <a:ln>
+            <a:noFill/>
+          </a:ln>
+        </p:spPr>
+        <p:txBody>
+          <a:bodyPr wrap="square">
+            <a:spAutoFit/>
+          </a:bodyPr>
+          <a:lstStyle/>
+          <a:p>
+            <a:r>
+              <a:rPr lang="en-SG" sz="1300" dirty="0" err="1"/>
+              <a:t>tsfresh</a:t>
+            </a:r>
+            <a:r>
+              <a:rPr lang="en-SG" sz="1300" dirty="0"/>
+              <a:t> auto-generates 750+ time-series features to capture temporal patterns for ML models.</a:t>
+            </a:r>
+            <a:endParaRPr lang="en-US" sz="1300" dirty="0"/>
+          </a:p>
+        </p:txBody>
+      </p:sp>
+      <p:sp>
+        <p:nvSpPr>
+          <p:cNvPr id="19" name="TextBox 18">
+            <a:extLst>
+              <a:ext uri="{FF2B5EF4-FFF2-40B4-BE49-F238E27FC236}">
+                <a16:creationId xmlns:a16="http://schemas.microsoft.com/office/drawing/2014/main" id="{271B7C56-492A-799C-D59A-1F33BD4608DD}"/>
+              </a:ext>
+            </a:extLst>
+          </p:cNvPr>
+          <p:cNvSpPr txBox="1"/>
+          <p:nvPr/>
+        </p:nvSpPr>
+        <p:spPr>
+          <a:xfrm>
+            <a:off x="4464229" y="966240"/>
+            <a:ext cx="4464228" cy="692497"/>
+          </a:xfrm>
+          <a:prstGeom prst="rect">
+            <a:avLst/>
+          </a:prstGeom>
+          <a:solidFill>
+            <a:schemeClr val="bg2"/>
+          </a:solidFill>
+          <a:ln>
+            <a:noFill/>
+          </a:ln>
+        </p:spPr>
+        <p:txBody>
+          <a:bodyPr wrap="square">
+            <a:spAutoFit/>
+          </a:bodyPr>
+          <a:lstStyle/>
+          <a:p>
+            <a:r>
+              <a:rPr lang="en-SG" sz="1300" dirty="0" err="1"/>
+              <a:t>Optuna</a:t>
+            </a:r>
+            <a:r>
+              <a:rPr lang="en-SG" sz="1300" dirty="0"/>
+              <a:t> is a powerful hyperparameter optimization framework that uses Bayesian optimization to efficiently find the best hyperparameter</a:t>
+            </a:r>
+            <a:endParaRPr lang="en-US" sz="1300" dirty="0"/>
+          </a:p>
+        </p:txBody>
+      </p:sp>
+      <p:sp>
+        <p:nvSpPr>
+          <p:cNvPr id="20" name="TextBox 19">
+            <a:extLst>
+              <a:ext uri="{FF2B5EF4-FFF2-40B4-BE49-F238E27FC236}">
+                <a16:creationId xmlns:a16="http://schemas.microsoft.com/office/drawing/2014/main" id="{4FE85E06-D5E7-79E3-74AC-43BA0964D41B}"/>
+              </a:ext>
+            </a:extLst>
+          </p:cNvPr>
+          <p:cNvSpPr txBox="1"/>
+          <p:nvPr/>
+        </p:nvSpPr>
+        <p:spPr>
+          <a:xfrm>
+            <a:off x="4464228" y="681558"/>
+            <a:ext cx="1427740" cy="292388"/>
+          </a:xfrm>
+          <a:prstGeom prst="rect">
+            <a:avLst/>
+          </a:prstGeom>
+          <a:noFill/>
+        </p:spPr>
+        <p:txBody>
+          <a:bodyPr wrap="square">
+            <a:spAutoFit/>
+          </a:bodyPr>
+          <a:lstStyle/>
+          <a:p>
+            <a:r>
+              <a:rPr lang="en-SG" sz="1300" dirty="0"/>
+              <a:t>What is </a:t>
+            </a:r>
+            <a:r>
+              <a:rPr lang="en-SG" sz="1300" dirty="0" err="1"/>
+              <a:t>Optuna</a:t>
+            </a:r>
+            <a:r>
+              <a:rPr lang="en-SG" sz="1300" dirty="0"/>
+              <a:t>?</a:t>
+            </a:r>
+          </a:p>
+        </p:txBody>
+      </p:sp>
+      <p:pic>
+        <p:nvPicPr>
+          <p:cNvPr id="22" name="Picture 21">
+            <a:extLst>
+              <a:ext uri="{FF2B5EF4-FFF2-40B4-BE49-F238E27FC236}">
+                <a16:creationId xmlns:a16="http://schemas.microsoft.com/office/drawing/2014/main" id="{3D770F13-F721-7CCD-0788-1F784EDB0445}"/>
+              </a:ext>
+            </a:extLst>
+          </p:cNvPr>
+          <p:cNvPicPr>
+            <a:picLocks noChangeAspect="1"/>
+          </p:cNvPicPr>
+          <p:nvPr/>
+        </p:nvPicPr>
+        <p:blipFill>
+          <a:blip r:embed="rId6"/>
+          <a:stretch>
+            <a:fillRect/>
+          </a:stretch>
+        </p:blipFill>
+        <p:spPr>
+          <a:xfrm>
+            <a:off x="4968232" y="1834234"/>
+            <a:ext cx="3456221" cy="974306"/>
+          </a:xfrm>
+          <a:prstGeom prst="rect">
+            <a:avLst/>
+          </a:prstGeom>
+        </p:spPr>
+      </p:pic>
+      <p:pic>
+        <p:nvPicPr>
+          <p:cNvPr id="23" name="Picture 22">
+            <a:extLst>
+              <a:ext uri="{FF2B5EF4-FFF2-40B4-BE49-F238E27FC236}">
+                <a16:creationId xmlns:a16="http://schemas.microsoft.com/office/drawing/2014/main" id="{526E9ACC-365E-C99F-EEFF-0D65F51E0FEB}"/>
+              </a:ext>
+            </a:extLst>
+          </p:cNvPr>
+          <p:cNvPicPr>
+            <a:picLocks noChangeAspect="1"/>
+          </p:cNvPicPr>
+          <p:nvPr/>
+        </p:nvPicPr>
+        <p:blipFill>
+          <a:blip r:embed="rId7"/>
+          <a:stretch>
+            <a:fillRect/>
+          </a:stretch>
+        </p:blipFill>
+        <p:spPr>
+          <a:xfrm>
+            <a:off x="4360241" y="2943783"/>
+            <a:ext cx="4572000" cy="3512297"/>
           </a:xfrm>
           <a:prstGeom prst="rect">
             <a:avLst/>
@@ -13568,7 +13629,7 @@
 </file>
 
 <file path=ppt/slides/slide5.xml><?xml version="1.0" encoding="utf-8"?>
-<p:sld xmlns:a="http://schemas.openxmlformats.org/drawingml/2006/main" xmlns:r="http://schemas.openxmlformats.org/officeDocument/2006/relationships" xmlns:p="http://schemas.openxmlformats.org/presentationml/2006/main">
+<p:sld xmlns:a="http://schemas.openxmlformats.org/drawingml/2006/main" xmlns:r="http://schemas.openxmlformats.org/officeDocument/2006/relationships" xmlns:p="http://schemas.openxmlformats.org/presentationml/2006/main" show="0">
   <p:cSld>
     <p:spTree>
       <p:nvGrpSpPr>
@@ -14443,8 +14504,8 @@
         </p:nvSpPr>
         <p:spPr>
           <a:xfrm rot="20965330">
-            <a:off x="5231443" y="5747165"/>
-            <a:ext cx="1648528" cy="338554"/>
+            <a:off x="4799917" y="5747165"/>
+            <a:ext cx="2511585" cy="338554"/>
           </a:xfrm>
           <a:prstGeom prst="rect">
             <a:avLst/>
@@ -14461,7 +14522,7 @@
           <a:p>
             <a:r>
               <a:rPr lang="en-US" sz="1600" dirty="0"/>
-              <a:t>Total Usage Rate</a:t>
+              <a:t>Total Inventory Usage Rate</a:t>
             </a:r>
           </a:p>
         </p:txBody>

--- a/with_god.pptx
+++ b/with_god.pptx
@@ -3523,7 +3523,7 @@
           <a:p>
             <a:r>
               <a:rPr lang="en-US" dirty="0"/>
-              <a:t>Then, we can observe that at a high EFP AQ </a:t>
+              <a:t>Then, we can observe that at a  fixed EFP AQ </a:t>
             </a:r>
             <a:r>
               <a:rPr lang="en-US" dirty="0" err="1"/>
@@ -3539,7 +3539,21 @@
             </a:r>
             <a:r>
               <a:rPr lang="en-US" dirty="0"/>
-              <a:t>, the relationship between the total inventory usage rate and EFP usage rate is linear.  (explain why it is expected)</a:t>
+              <a:t>, the relationship between the total inventory usage rate and EFP usage rate is always linear.  </a:t>
+            </a:r>
+          </a:p>
+          <a:p>
+            <a:r>
+              <a:rPr lang="en-US" dirty="0"/>
+              <a:t>This makes sense as majority of the total inventory for </a:t>
+            </a:r>
+            <a:r>
+              <a:rPr lang="en-US" dirty="0" err="1"/>
+              <a:t>china</a:t>
+            </a:r>
+            <a:r>
+              <a:rPr lang="en-US" dirty="0"/>
+              <a:t> market comes from EFP and if the EFP Usage rate increase, it is only natural for the total inventory usage rate to rise.</a:t>
             </a:r>
           </a:p>
           <a:p>
@@ -3548,7 +3562,7 @@
           <a:p>
             <a:r>
               <a:rPr lang="en-US" dirty="0"/>
-              <a:t>And at the rest of the range of EFP AQ </a:t>
+              <a:t>And at a fixed total inventory usage rate, the r/s between EFP AQ </a:t>
             </a:r>
             <a:r>
               <a:rPr lang="en-US" dirty="0" err="1"/>
@@ -3556,7 +3570,7 @@
             </a:r>
             <a:r>
               <a:rPr lang="en-US" dirty="0"/>
-              <a:t> to the total inventory </a:t>
+              <a:t> to total inventory </a:t>
             </a:r>
             <a:r>
               <a:rPr lang="en-US" dirty="0" err="1"/>
@@ -3564,12 +3578,62 @@
             </a:r>
             <a:r>
               <a:rPr lang="en-US" dirty="0"/>
-              <a:t>, the r/s between total inventory usage rate and EFP usage rate is non linear as shown </a:t>
-            </a:r>
-            <a:r>
-              <a:rPr lang="en-US"/>
-              <a:t>here the 2D cut.</a:t>
-            </a:r>
+              <a:t> and EFP usage rate is non linear as shown here the 2D cut. As the EFP available qty </a:t>
+            </a:r>
+            <a:r>
+              <a:rPr lang="en-US" dirty="0" err="1"/>
+              <a:t>wrt</a:t>
+            </a:r>
+            <a:r>
+              <a:rPr lang="en-US" dirty="0"/>
+              <a:t> the total inventory </a:t>
+            </a:r>
+            <a:r>
+              <a:rPr lang="en-US" dirty="0" err="1"/>
+              <a:t>aq</a:t>
+            </a:r>
+            <a:r>
+              <a:rPr lang="en-US" dirty="0"/>
+              <a:t> rises to 1, meaning more and more EFP portion in the total inventory qty, the </a:t>
+            </a:r>
+            <a:r>
+              <a:rPr lang="en-US" dirty="0" err="1"/>
+              <a:t>efp</a:t>
+            </a:r>
+            <a:r>
+              <a:rPr lang="en-US" dirty="0"/>
+              <a:t> usage rate drops non linearly. </a:t>
+            </a:r>
+          </a:p>
+          <a:p>
+            <a:endParaRPr lang="en-US" dirty="0"/>
+          </a:p>
+          <a:p>
+            <a:pPr marL="0" marR="0" lvl="0" indent="0" algn="l" defTabSz="914400" rtl="0" eaLnBrk="1" fontAlgn="auto" latinLnBrk="0" hangingPunct="1">
+              <a:lnSpc>
+                <a:spcPct val="100000"/>
+              </a:lnSpc>
+              <a:spcBef>
+                <a:spcPts val="0"/>
+              </a:spcBef>
+              <a:spcAft>
+                <a:spcPts val="0"/>
+              </a:spcAft>
+              <a:buClrTx/>
+              <a:buSzTx/>
+              <a:buFontTx/>
+              <a:buNone/>
+              <a:tabLst/>
+              <a:defRPr/>
+            </a:pPr>
+            <a:r>
+              <a:rPr lang="en-SG" dirty="0">
+                <a:effectLst/>
+              </a:rPr>
+              <a:t>This non-linear drop occurs because, with a fixed total usage rate (x), increasing the proportion of EFP in the total inventory (higher y) effectively spreads the same level of demand over a larger EFP supply base.</a:t>
+            </a:r>
+          </a:p>
+          <a:p>
             <a:endParaRPr lang="en-US" dirty="0"/>
           </a:p>
         </p:txBody>
@@ -14408,8 +14472,8 @@
         </p:blipFill>
         <p:spPr>
           <a:xfrm>
-            <a:off x="1274851" y="1491992"/>
-            <a:ext cx="6613329" cy="4704090"/>
+            <a:off x="110628" y="1560265"/>
+            <a:ext cx="5254388" cy="3737469"/>
           </a:xfrm>
           <a:prstGeom prst="rect">
             <a:avLst/>
@@ -14430,8 +14494,8 @@
         </p:nvSpPr>
         <p:spPr>
           <a:xfrm rot="5400000">
-            <a:off x="657290" y="3259723"/>
-            <a:ext cx="1566391" cy="338554"/>
+            <a:off x="-270223" y="3112284"/>
+            <a:ext cx="1032889" cy="492443"/>
           </a:xfrm>
           <a:prstGeom prst="rect">
             <a:avLst/>
@@ -14441,13 +14505,13 @@
           </a:solidFill>
         </p:spPr>
         <p:txBody>
-          <a:bodyPr wrap="none" rtlCol="0">
+          <a:bodyPr wrap="square" rtlCol="0">
             <a:spAutoFit/>
           </a:bodyPr>
           <a:lstStyle/>
           <a:p>
             <a:r>
-              <a:rPr lang="en-US" sz="1600" dirty="0"/>
+              <a:rPr lang="en-US" sz="1300" dirty="0"/>
               <a:t>EFP Usage Rate</a:t>
             </a:r>
           </a:p>
@@ -14467,8 +14531,8 @@
         </p:nvSpPr>
         <p:spPr>
           <a:xfrm rot="1878367">
-            <a:off x="1608207" y="5521288"/>
-            <a:ext cx="1715726" cy="338554"/>
+            <a:off x="367397" y="4910524"/>
+            <a:ext cx="1691149" cy="492443"/>
           </a:xfrm>
           <a:prstGeom prst="rect">
             <a:avLst/>
@@ -14478,14 +14542,14 @@
           </a:solidFill>
         </p:spPr>
         <p:txBody>
-          <a:bodyPr wrap="none" rtlCol="0">
+          <a:bodyPr wrap="square" rtlCol="0">
             <a:spAutoFit/>
           </a:bodyPr>
           <a:lstStyle/>
           <a:p>
             <a:r>
-              <a:rPr lang="en-US" sz="1600" dirty="0"/>
-              <a:t>EFP AQ / Total AQ</a:t>
+              <a:rPr lang="en-US" sz="1300" dirty="0"/>
+              <a:t>EFP AQ / Total Inventory AQ</a:t>
             </a:r>
           </a:p>
         </p:txBody>
@@ -14504,8 +14568,8 @@
         </p:nvSpPr>
         <p:spPr>
           <a:xfrm rot="20965330">
-            <a:off x="4799917" y="5747165"/>
-            <a:ext cx="2511585" cy="338554"/>
+            <a:off x="3046040" y="4910523"/>
+            <a:ext cx="1649681" cy="492443"/>
           </a:xfrm>
           <a:prstGeom prst="rect">
             <a:avLst/>
@@ -14515,13 +14579,13 @@
           </a:solidFill>
         </p:spPr>
         <p:txBody>
-          <a:bodyPr wrap="none" rtlCol="0">
+          <a:bodyPr wrap="square" rtlCol="0">
             <a:spAutoFit/>
           </a:bodyPr>
           <a:lstStyle/>
           <a:p>
             <a:r>
-              <a:rPr lang="en-US" sz="1600" dirty="0"/>
+              <a:rPr lang="en-US" sz="1300" dirty="0"/>
               <a:t>Total Inventory Usage Rate</a:t>
             </a:r>
           </a:p>
@@ -14578,7 +14642,7 @@
         <p:spPr>
           <a:xfrm>
             <a:off x="233916" y="158059"/>
-            <a:ext cx="4347600" cy="646331"/>
+            <a:ext cx="6857005" cy="646331"/>
           </a:xfrm>
           <a:prstGeom prst="rect">
             <a:avLst/>
@@ -14605,7 +14669,7 @@
                 <a:latin typeface="Calibri" panose="020F0502020204030204" pitchFamily="34" charset="0"/>
                 <a:cs typeface="Calibri" panose="020F0502020204030204" pitchFamily="34" charset="0"/>
               </a:rPr>
-              <a:t>Prediction Results for the 3 Models</a:t>
+              <a:t>Prediction Results for EFP Usage Rate with the Best Performing Model </a:t>
             </a:r>
           </a:p>
         </p:txBody>

--- a/with_god.pptx
+++ b/with_god.pptx
@@ -5,7 +5,7 @@
     <p:sldMasterId id="2147483660" r:id="rId1"/>
   </p:sldMasterIdLst>
   <p:notesMasterIdLst>
-    <p:notesMasterId r:id="rId13"/>
+    <p:notesMasterId r:id="rId14"/>
   </p:notesMasterIdLst>
   <p:sldIdLst>
     <p:sldId id="256" r:id="rId2"/>
@@ -14,11 +14,12 @@
     <p:sldId id="260" r:id="rId5"/>
     <p:sldId id="261" r:id="rId6"/>
     <p:sldId id="262" r:id="rId7"/>
-    <p:sldId id="267" r:id="rId8"/>
-    <p:sldId id="263" r:id="rId9"/>
-    <p:sldId id="266" r:id="rId10"/>
-    <p:sldId id="265" r:id="rId11"/>
-    <p:sldId id="264" r:id="rId12"/>
+    <p:sldId id="268" r:id="rId8"/>
+    <p:sldId id="267" r:id="rId9"/>
+    <p:sldId id="263" r:id="rId10"/>
+    <p:sldId id="266" r:id="rId11"/>
+    <p:sldId id="265" r:id="rId12"/>
+    <p:sldId id="264" r:id="rId13"/>
   </p:sldIdLst>
   <p:sldSz cx="9144000" cy="6858000" type="screen4x3"/>
   <p:notesSz cx="6858000" cy="9144000"/>
@@ -3361,7 +3362,13 @@
   <p:cSld>
     <p:spTree>
       <p:nvGrpSpPr>
-        <p:cNvPr id="1" name=""/>
+        <p:cNvPr id="1" name="">
+          <a:extLst>
+            <a:ext uri="{FF2B5EF4-FFF2-40B4-BE49-F238E27FC236}">
+              <a16:creationId xmlns:a16="http://schemas.microsoft.com/office/drawing/2014/main" id="{534A2AF1-6C7B-46DD-8FCD-1B39FA4FD54E}"/>
+            </a:ext>
+          </a:extLst>
+        </p:cNvPr>
         <p:cNvGrpSpPr/>
         <p:nvPr/>
       </p:nvGrpSpPr>
@@ -3375,7 +3382,13 @@
       </p:grpSpPr>
       <p:sp>
         <p:nvSpPr>
-          <p:cNvPr id="2" name="Slide Image Placeholder 1"/>
+          <p:cNvPr id="2" name="Slide Image Placeholder 1">
+            <a:extLst>
+              <a:ext uri="{FF2B5EF4-FFF2-40B4-BE49-F238E27FC236}">
+                <a16:creationId xmlns:a16="http://schemas.microsoft.com/office/drawing/2014/main" id="{CF3B7F61-6DD4-9E2D-5BC0-0C3AC5FD903F}"/>
+              </a:ext>
+            </a:extLst>
+          </p:cNvPr>
           <p:cNvSpPr>
             <a:spLocks noGrp="1" noRot="1" noChangeAspect="1"/>
           </p:cNvSpPr>
@@ -3387,7 +3400,13 @@
       </p:sp>
       <p:sp>
         <p:nvSpPr>
-          <p:cNvPr id="3" name="Notes Placeholder 2"/>
+          <p:cNvPr id="3" name="Notes Placeholder 2">
+            <a:extLst>
+              <a:ext uri="{FF2B5EF4-FFF2-40B4-BE49-F238E27FC236}">
+                <a16:creationId xmlns:a16="http://schemas.microsoft.com/office/drawing/2014/main" id="{582E1D73-28AB-C0AF-8170-BA1547E67657}"/>
+              </a:ext>
+            </a:extLst>
+          </p:cNvPr>
           <p:cNvSpPr>
             <a:spLocks noGrp="1"/>
           </p:cNvSpPr>
@@ -3401,23 +3420,169 @@
           <a:lstStyle/>
           <a:p>
             <a:r>
-              <a:rPr lang="en-US" dirty="0"/>
-              <a:t>Add the </a:t>
-            </a:r>
-            <a:r>
-              <a:rPr lang="en-US" dirty="0" err="1"/>
-              <a:t>t+horizon</a:t>
-            </a:r>
-            <a:r>
-              <a:rPr lang="en-US" dirty="0"/>
-              <a:t> = t line </a:t>
-            </a:r>
-          </a:p>
-        </p:txBody>
-      </p:sp>
-      <p:sp>
-        <p:nvSpPr>
-          <p:cNvPr id="4" name="Slide Number Placeholder 3"/>
+              <a:rPr lang="en-SG" dirty="0" err="1">
+                <a:effectLst/>
+              </a:rPr>
+              <a:t>et's</a:t>
+            </a:r>
+            <a:r>
+              <a:rPr lang="en-SG" dirty="0">
+                <a:effectLst/>
+              </a:rPr>
+              <a:t> move on to how we utilize the predictions from our key horizons—t+1, t+5, t+10, t+15, and t+20 days ahead—to fill in the gaps for the intermediate horizons, from day 2 up to day 19, all the way to day 20. This step is important because our </a:t>
+            </a:r>
+            <a:r>
+              <a:rPr lang="en-SG" dirty="0" err="1">
+                <a:effectLst/>
+              </a:rPr>
+              <a:t>XGBoost</a:t>
+            </a:r>
+            <a:r>
+              <a:rPr lang="en-SG" dirty="0">
+                <a:effectLst/>
+              </a:rPr>
+              <a:t> models only predict at those five key points to save computational resources, but we need a smooth curve for all 20 days to visualize trends and make practical decisions.</a:t>
+            </a:r>
+          </a:p>
+          <a:p>
+            <a:r>
+              <a:rPr lang="en-SG" dirty="0">
+                <a:effectLst/>
+              </a:rPr>
+              <a:t>We explored two ideas for this interpolation.</a:t>
+            </a:r>
+          </a:p>
+          <a:p>
+            <a:endParaRPr lang="en-SG" dirty="0">
+              <a:effectLst/>
+            </a:endParaRPr>
+          </a:p>
+          <a:p>
+            <a:r>
+              <a:rPr lang="en-SG" dirty="0">
+                <a:effectLst/>
+              </a:rPr>
+              <a:t>First, Idea 1: Simple Interval Averaging. This is straightforward—we just take the average of the two adjacent key horizons for any point in between.</a:t>
+            </a:r>
+          </a:p>
+          <a:p>
+            <a:endParaRPr lang="en-SG" dirty="0">
+              <a:effectLst/>
+            </a:endParaRPr>
+          </a:p>
+          <a:p>
+            <a:pPr marL="0" marR="0" lvl="0" indent="0" algn="l" defTabSz="914400" rtl="0" eaLnBrk="1" fontAlgn="auto" latinLnBrk="0" hangingPunct="1">
+              <a:lnSpc>
+                <a:spcPct val="100000"/>
+              </a:lnSpc>
+              <a:spcBef>
+                <a:spcPts val="0"/>
+              </a:spcBef>
+              <a:spcAft>
+                <a:spcPts val="0"/>
+              </a:spcAft>
+              <a:buClrTx/>
+              <a:buSzTx/>
+              <a:buFontTx/>
+              <a:buNone/>
+              <a:tabLst/>
+              <a:defRPr/>
+            </a:pPr>
+            <a:r>
+              <a:rPr lang="en-SG" dirty="0">
+                <a:effectLst/>
+              </a:rPr>
+              <a:t>For idea 2: The first term is a straight-line projection based on the short-term trend from earlier predictions—it assumes things continue linearly from where we left off. The second term is a curvature correction, which we only account for any bending or acceleration in the trend, like if utilization ramps up or slows down over longer periods. Beta is a </a:t>
+            </a:r>
+            <a:r>
+              <a:rPr lang="en-SG" dirty="0" err="1">
+                <a:effectLst/>
+              </a:rPr>
+              <a:t>tunable</a:t>
+            </a:r>
+            <a:r>
+              <a:rPr lang="en-SG" dirty="0">
+                <a:effectLst/>
+              </a:rPr>
+              <a:t> parameter that controls how much weight we give to that correction—higher beta emphasizes the curve, lower beta keeps it more linear.</a:t>
+            </a:r>
+          </a:p>
+          <a:p>
+            <a:pPr marL="0" marR="0" lvl="0" indent="0" algn="l" defTabSz="914400" rtl="0" eaLnBrk="1" fontAlgn="auto" latinLnBrk="0" hangingPunct="1">
+              <a:lnSpc>
+                <a:spcPct val="100000"/>
+              </a:lnSpc>
+              <a:spcBef>
+                <a:spcPts val="0"/>
+              </a:spcBef>
+              <a:spcAft>
+                <a:spcPts val="0"/>
+              </a:spcAft>
+              <a:buClrTx/>
+              <a:buSzTx/>
+              <a:buFontTx/>
+              <a:buNone/>
+              <a:tabLst/>
+              <a:defRPr/>
+            </a:pPr>
+            <a:endParaRPr lang="en-SG" dirty="0">
+              <a:effectLst/>
+            </a:endParaRPr>
+          </a:p>
+          <a:p>
+            <a:pPr marL="0" marR="0" lvl="0" indent="0" algn="l" defTabSz="914400" rtl="0" eaLnBrk="1" fontAlgn="auto" latinLnBrk="0" hangingPunct="1">
+              <a:lnSpc>
+                <a:spcPct val="100000"/>
+              </a:lnSpc>
+              <a:spcBef>
+                <a:spcPts val="0"/>
+              </a:spcBef>
+              <a:spcAft>
+                <a:spcPts val="0"/>
+              </a:spcAft>
+              <a:buClrTx/>
+              <a:buSzTx/>
+              <a:buFontTx/>
+              <a:buNone/>
+              <a:tabLst/>
+              <a:defRPr/>
+            </a:pPr>
+            <a:r>
+              <a:rPr lang="en-SG" dirty="0">
+                <a:effectLst/>
+              </a:rPr>
+              <a:t>And with that, we plot the t-60 to t+20 points of a random date and security of selection for both idea 1 and 2. </a:t>
+            </a:r>
+          </a:p>
+          <a:p>
+            <a:endParaRPr lang="en-SG" dirty="0">
+              <a:effectLst/>
+            </a:endParaRPr>
+          </a:p>
+          <a:p>
+            <a:r>
+              <a:rPr lang="en-SG" dirty="0">
+                <a:effectLst/>
+              </a:rPr>
+              <a:t>Zoom in for a better view.</a:t>
+            </a:r>
+          </a:p>
+          <a:p>
+            <a:endParaRPr lang="en-SG" dirty="0">
+              <a:effectLst/>
+            </a:endParaRPr>
+          </a:p>
+        </p:txBody>
+      </p:sp>
+      <p:sp>
+        <p:nvSpPr>
+          <p:cNvPr id="4" name="Slide Number Placeholder 3">
+            <a:extLst>
+              <a:ext uri="{FF2B5EF4-FFF2-40B4-BE49-F238E27FC236}">
+                <a16:creationId xmlns:a16="http://schemas.microsoft.com/office/drawing/2014/main" id="{122FE331-0F2C-2D1F-EADE-711B3FB9BFC8}"/>
+              </a:ext>
+            </a:extLst>
+          </p:cNvPr>
           <p:cNvSpPr>
             <a:spLocks noGrp="1"/>
           </p:cNvSpPr>
@@ -3441,7 +3606,7 @@
     </p:spTree>
     <p:extLst>
       <p:ext uri="{BB962C8B-B14F-4D97-AF65-F5344CB8AC3E}">
-        <p14:creationId xmlns:p14="http://schemas.microsoft.com/office/powerpoint/2010/main" val="377863581"/>
+        <p14:creationId xmlns:p14="http://schemas.microsoft.com/office/powerpoint/2010/main" val="3433514863"/>
       </p:ext>
     </p:extLst>
   </p:cSld>
@@ -3497,6 +3662,101 @@
           <a:p>
             <a:r>
               <a:rPr lang="en-US" dirty="0"/>
+              <a:t>Add the </a:t>
+            </a:r>
+            <a:r>
+              <a:rPr lang="en-US" dirty="0" err="1"/>
+              <a:t>t+horizon</a:t>
+            </a:r>
+            <a:r>
+              <a:rPr lang="en-US" dirty="0"/>
+              <a:t> = t line </a:t>
+            </a:r>
+          </a:p>
+        </p:txBody>
+      </p:sp>
+      <p:sp>
+        <p:nvSpPr>
+          <p:cNvPr id="4" name="Slide Number Placeholder 3"/>
+          <p:cNvSpPr>
+            <a:spLocks noGrp="1"/>
+          </p:cNvSpPr>
+          <p:nvPr>
+            <p:ph type="sldNum" sz="quarter" idx="5"/>
+          </p:nvPr>
+        </p:nvSpPr>
+        <p:spPr/>
+        <p:txBody>
+          <a:bodyPr/>
+          <a:lstStyle/>
+          <a:p>
+            <a:fld id="{F65504EF-3CA6-F547-A282-61C022E78DB9}" type="slidenum">
+              <a:rPr lang="en-US" smtClean="0"/>
+              <a:t>8</a:t>
+            </a:fld>
+            <a:endParaRPr lang="en-US"/>
+          </a:p>
+        </p:txBody>
+      </p:sp>
+    </p:spTree>
+    <p:extLst>
+      <p:ext uri="{BB962C8B-B14F-4D97-AF65-F5344CB8AC3E}">
+        <p14:creationId xmlns:p14="http://schemas.microsoft.com/office/powerpoint/2010/main" val="377863581"/>
+      </p:ext>
+    </p:extLst>
+  </p:cSld>
+  <p:clrMapOvr>
+    <a:masterClrMapping/>
+  </p:clrMapOvr>
+</p:notes>
+</file>
+
+<file path=ppt/notesSlides/notesSlide9.xml><?xml version="1.0" encoding="utf-8"?>
+<p:notes xmlns:a="http://schemas.openxmlformats.org/drawingml/2006/main" xmlns:r="http://schemas.openxmlformats.org/officeDocument/2006/relationships" xmlns:p="http://schemas.openxmlformats.org/presentationml/2006/main">
+  <p:cSld>
+    <p:spTree>
+      <p:nvGrpSpPr>
+        <p:cNvPr id="1" name=""/>
+        <p:cNvGrpSpPr/>
+        <p:nvPr/>
+      </p:nvGrpSpPr>
+      <p:grpSpPr>
+        <a:xfrm>
+          <a:off x="0" y="0"/>
+          <a:ext cx="0" cy="0"/>
+          <a:chOff x="0" y="0"/>
+          <a:chExt cx="0" cy="0"/>
+        </a:xfrm>
+      </p:grpSpPr>
+      <p:sp>
+        <p:nvSpPr>
+          <p:cNvPr id="2" name="Slide Image Placeholder 1"/>
+          <p:cNvSpPr>
+            <a:spLocks noGrp="1" noRot="1" noChangeAspect="1"/>
+          </p:cNvSpPr>
+          <p:nvPr>
+            <p:ph type="sldImg"/>
+          </p:nvPr>
+        </p:nvSpPr>
+        <p:spPr/>
+      </p:sp>
+      <p:sp>
+        <p:nvSpPr>
+          <p:cNvPr id="3" name="Notes Placeholder 2"/>
+          <p:cNvSpPr>
+            <a:spLocks noGrp="1"/>
+          </p:cNvSpPr>
+          <p:nvPr>
+            <p:ph type="body" idx="1"/>
+          </p:nvPr>
+        </p:nvSpPr>
+        <p:spPr/>
+        <p:txBody>
+          <a:bodyPr/>
+          <a:lstStyle/>
+          <a:p>
+            <a:r>
+              <a:rPr lang="en-US" dirty="0"/>
               <a:t>With part 1’s best result being the </a:t>
             </a:r>
             <a:r>
@@ -3655,7 +3915,7 @@
           <a:p>
             <a:fld id="{F65504EF-3CA6-F547-A282-61C022E78DB9}" type="slidenum">
               <a:rPr lang="en-US" smtClean="0"/>
-              <a:t>8</a:t>
+              <a:t>9</a:t>
             </a:fld>
             <a:endParaRPr lang="en-US"/>
           </a:p>
@@ -6568,7 +6828,7 @@
                 <a:latin typeface="Calibri" panose="020F0502020204030204" pitchFamily="34" charset="0"/>
                 <a:cs typeface="Calibri" panose="020F0502020204030204" pitchFamily="34" charset="0"/>
               </a:rPr>
-              <a:t>Background (2/2)</a:t>
+              <a:t>Background (1/2)</a:t>
             </a:r>
           </a:p>
           <a:p>
@@ -7978,6 +8238,119 @@
         <p:cNvPr id="1" name="">
           <a:extLst>
             <a:ext uri="{FF2B5EF4-FFF2-40B4-BE49-F238E27FC236}">
+              <a16:creationId xmlns:a16="http://schemas.microsoft.com/office/drawing/2014/main" id="{24F61CED-C71B-F810-5781-E4ECCE742B8E}"/>
+            </a:ext>
+          </a:extLst>
+        </p:cNvPr>
+        <p:cNvGrpSpPr/>
+        <p:nvPr/>
+      </p:nvGrpSpPr>
+      <p:grpSpPr>
+        <a:xfrm>
+          <a:off x="0" y="0"/>
+          <a:ext cx="0" cy="0"/>
+          <a:chOff x="0" y="0"/>
+          <a:chExt cx="0" cy="0"/>
+        </a:xfrm>
+      </p:grpSpPr>
+      <p:sp>
+        <p:nvSpPr>
+          <p:cNvPr id="2" name="TextBox 1">
+            <a:extLst>
+              <a:ext uri="{FF2B5EF4-FFF2-40B4-BE49-F238E27FC236}">
+                <a16:creationId xmlns:a16="http://schemas.microsoft.com/office/drawing/2014/main" id="{91704775-EBFE-D144-FB24-18DF19FFA0E2}"/>
+              </a:ext>
+            </a:extLst>
+          </p:cNvPr>
+          <p:cNvSpPr txBox="1"/>
+          <p:nvPr/>
+        </p:nvSpPr>
+        <p:spPr>
+          <a:xfrm>
+            <a:off x="233916" y="158059"/>
+            <a:ext cx="6857005" cy="646331"/>
+          </a:xfrm>
+          <a:prstGeom prst="rect">
+            <a:avLst/>
+          </a:prstGeom>
+          <a:noFill/>
+        </p:spPr>
+        <p:txBody>
+          <a:bodyPr wrap="none" rtlCol="0">
+            <a:spAutoFit/>
+          </a:bodyPr>
+          <a:lstStyle/>
+          <a:p>
+            <a:r>
+              <a:rPr lang="en-US" b="1" dirty="0">
+                <a:latin typeface="Calibri" panose="020F0502020204030204" pitchFamily="34" charset="0"/>
+                <a:cs typeface="Calibri" panose="020F0502020204030204" pitchFamily="34" charset="0"/>
+              </a:rPr>
+              <a:t>Part 2 – Predicting the EFP Usage Rate (2/3)</a:t>
+            </a:r>
+          </a:p>
+          <a:p>
+            <a:r>
+              <a:rPr lang="en-US" b="1" dirty="0">
+                <a:latin typeface="Calibri" panose="020F0502020204030204" pitchFamily="34" charset="0"/>
+                <a:cs typeface="Calibri" panose="020F0502020204030204" pitchFamily="34" charset="0"/>
+              </a:rPr>
+              <a:t>Prediction Results for EFP Usage Rate with the Best Performing Model </a:t>
+            </a:r>
+          </a:p>
+        </p:txBody>
+      </p:sp>
+      <p:pic>
+        <p:nvPicPr>
+          <p:cNvPr id="3" name="Picture 2">
+            <a:extLst>
+              <a:ext uri="{FF2B5EF4-FFF2-40B4-BE49-F238E27FC236}">
+                <a16:creationId xmlns:a16="http://schemas.microsoft.com/office/drawing/2014/main" id="{4914B766-583E-E0AA-7209-8B8D99AD574E}"/>
+              </a:ext>
+            </a:extLst>
+          </p:cNvPr>
+          <p:cNvPicPr>
+            <a:picLocks noChangeAspect="1"/>
+          </p:cNvPicPr>
+          <p:nvPr/>
+        </p:nvPicPr>
+        <p:blipFill>
+          <a:blip r:embed="rId2"/>
+          <a:stretch>
+            <a:fillRect/>
+          </a:stretch>
+        </p:blipFill>
+        <p:spPr>
+          <a:xfrm>
+            <a:off x="615665" y="1313596"/>
+            <a:ext cx="4573516" cy="4612943"/>
+          </a:xfrm>
+          <a:prstGeom prst="rect">
+            <a:avLst/>
+          </a:prstGeom>
+        </p:spPr>
+      </p:pic>
+    </p:spTree>
+    <p:extLst>
+      <p:ext uri="{BB962C8B-B14F-4D97-AF65-F5344CB8AC3E}">
+        <p14:creationId xmlns:p14="http://schemas.microsoft.com/office/powerpoint/2010/main" val="2684836681"/>
+      </p:ext>
+    </p:extLst>
+  </p:cSld>
+  <p:clrMapOvr>
+    <a:masterClrMapping/>
+  </p:clrMapOvr>
+</p:sld>
+</file>
+
+<file path=ppt/slides/slide11.xml><?xml version="1.0" encoding="utf-8"?>
+<p:sld xmlns:a="http://schemas.openxmlformats.org/drawingml/2006/main" xmlns:r="http://schemas.openxmlformats.org/officeDocument/2006/relationships" xmlns:p="http://schemas.openxmlformats.org/presentationml/2006/main">
+  <p:cSld>
+    <p:spTree>
+      <p:nvGrpSpPr>
+        <p:cNvPr id="1" name="">
+          <a:extLst>
+            <a:ext uri="{FF2B5EF4-FFF2-40B4-BE49-F238E27FC236}">
               <a16:creationId xmlns:a16="http://schemas.microsoft.com/office/drawing/2014/main" id="{139FF722-EA8A-BDAE-9219-BCFC65B941EC}"/>
             </a:ext>
           </a:extLst>
@@ -8044,7 +8417,7 @@
 </p:sld>
 </file>
 
-<file path=ppt/slides/slide11.xml><?xml version="1.0" encoding="utf-8"?>
+<file path=ppt/slides/slide12.xml><?xml version="1.0" encoding="utf-8"?>
 <p:sld xmlns:a="http://schemas.openxmlformats.org/drawingml/2006/main" xmlns:r="http://schemas.openxmlformats.org/officeDocument/2006/relationships" xmlns:p="http://schemas.openxmlformats.org/presentationml/2006/main">
   <p:cSld>
     <p:spTree>
@@ -8105,6 +8478,36 @@
           </a:p>
         </p:txBody>
       </p:sp>
+      <p:pic>
+        <p:nvPicPr>
+          <p:cNvPr id="3" name="Picture 2">
+            <a:extLst>
+              <a:ext uri="{FF2B5EF4-FFF2-40B4-BE49-F238E27FC236}">
+                <a16:creationId xmlns:a16="http://schemas.microsoft.com/office/drawing/2014/main" id="{285967BE-B28E-9EB9-7C64-4A7E7515D193}"/>
+              </a:ext>
+            </a:extLst>
+          </p:cNvPr>
+          <p:cNvPicPr>
+            <a:picLocks noChangeAspect="1"/>
+          </p:cNvPicPr>
+          <p:nvPr/>
+        </p:nvPicPr>
+        <p:blipFill>
+          <a:blip r:embed="rId2"/>
+          <a:stretch>
+            <a:fillRect/>
+          </a:stretch>
+        </p:blipFill>
+        <p:spPr>
+          <a:xfrm>
+            <a:off x="685800" y="1002695"/>
+            <a:ext cx="7772400" cy="4852609"/>
+          </a:xfrm>
+          <a:prstGeom prst="rect">
+            <a:avLst/>
+          </a:prstGeom>
+        </p:spPr>
+      </p:pic>
     </p:spTree>
     <p:extLst>
       <p:ext uri="{BB962C8B-B14F-4D97-AF65-F5344CB8AC3E}">
@@ -8339,7 +8742,7 @@
                 <a:latin typeface="Calibri" panose="020F0502020204030204" pitchFamily="34" charset="0"/>
                 <a:cs typeface="Calibri" panose="020F0502020204030204" pitchFamily="34" charset="0"/>
               </a:rPr>
-              <a:t>Background (1/2)</a:t>
+              <a:t>Background (2/2)</a:t>
             </a:r>
           </a:p>
           <a:p>
@@ -14200,7 +14603,7 @@
         </p:blipFill>
         <p:spPr>
           <a:xfrm>
-            <a:off x="2608664" y="3858011"/>
+            <a:off x="2540424" y="3858011"/>
             <a:ext cx="3926671" cy="2896026"/>
           </a:xfrm>
           <a:prstGeom prst="rect">
@@ -14229,7 +14632,7 @@
         <p:cNvPr id="1" name="">
           <a:extLst>
             <a:ext uri="{FF2B5EF4-FFF2-40B4-BE49-F238E27FC236}">
-              <a16:creationId xmlns:a16="http://schemas.microsoft.com/office/drawing/2014/main" id="{CF7E5B2D-62BE-65DB-FC9A-93F437EFEB6C}"/>
+              <a16:creationId xmlns:a16="http://schemas.microsoft.com/office/drawing/2014/main" id="{ABCA82B1-2762-9122-DCBB-C6E7913864B2}"/>
             </a:ext>
           </a:extLst>
         </p:cNvPr>
@@ -14249,7 +14652,7 @@
           <p:cNvPr id="2" name="TextBox 1">
             <a:extLst>
               <a:ext uri="{FF2B5EF4-FFF2-40B4-BE49-F238E27FC236}">
-                <a16:creationId xmlns:a16="http://schemas.microsoft.com/office/drawing/2014/main" id="{3CD25B29-E17C-278A-19C2-C736E616C606}"/>
+                <a16:creationId xmlns:a16="http://schemas.microsoft.com/office/drawing/2014/main" id="{F0EB60FD-1453-A815-756B-17CFC5B170F3}"/>
               </a:ext>
             </a:extLst>
           </p:cNvPr>
@@ -14286,7 +14689,7 @@
                 <a:latin typeface="Calibri" panose="020F0502020204030204" pitchFamily="34" charset="0"/>
                 <a:cs typeface="Calibri" panose="020F0502020204030204" pitchFamily="34" charset="0"/>
               </a:rPr>
-              <a:t>Interpolated Inter Horizon for the 3 Models</a:t>
+              <a:t>Obtaining Predictions for Intermediate Horizons</a:t>
             </a:r>
           </a:p>
         </p:txBody>
@@ -14296,7 +14699,7 @@
           <p:cNvPr id="3" name="Straight Connector 2">
             <a:extLst>
               <a:ext uri="{FF2B5EF4-FFF2-40B4-BE49-F238E27FC236}">
-                <a16:creationId xmlns:a16="http://schemas.microsoft.com/office/drawing/2014/main" id="{85A2BCD0-77DC-75F7-5900-797707A4E264}"/>
+                <a16:creationId xmlns:a16="http://schemas.microsoft.com/office/drawing/2014/main" id="{D1BFD421-559D-39A8-0CD0-BE1D56B9889B}"/>
               </a:ext>
             </a:extLst>
           </p:cNvPr>
@@ -14342,7 +14745,7 @@
           <p:cNvPr id="7" name="Picture 6">
             <a:extLst>
               <a:ext uri="{FF2B5EF4-FFF2-40B4-BE49-F238E27FC236}">
-                <a16:creationId xmlns:a16="http://schemas.microsoft.com/office/drawing/2014/main" id="{6B768E94-6C8F-A643-B0AA-C59D4BDDC180}"/>
+                <a16:creationId xmlns:a16="http://schemas.microsoft.com/office/drawing/2014/main" id="{F9606E63-FA37-E83A-032A-C76A7DE1DFA4}"/>
               </a:ext>
             </a:extLst>
           </p:cNvPr>
@@ -14359,8 +14762,301 @@
         </p:blipFill>
         <p:spPr>
           <a:xfrm>
-            <a:off x="685800" y="988569"/>
-            <a:ext cx="7772400" cy="5061313"/>
+            <a:off x="233916" y="988569"/>
+            <a:ext cx="5477229" cy="886964"/>
+          </a:xfrm>
+          <a:prstGeom prst="rect">
+            <a:avLst/>
+          </a:prstGeom>
+        </p:spPr>
+      </p:pic>
+      <p:pic>
+        <p:nvPicPr>
+          <p:cNvPr id="8" name="Picture 7">
+            <a:extLst>
+              <a:ext uri="{FF2B5EF4-FFF2-40B4-BE49-F238E27FC236}">
+                <a16:creationId xmlns:a16="http://schemas.microsoft.com/office/drawing/2014/main" id="{4043994D-3096-EA52-5303-B258D37BF9AB}"/>
+              </a:ext>
+            </a:extLst>
+          </p:cNvPr>
+          <p:cNvPicPr>
+            <a:picLocks noChangeAspect="1"/>
+          </p:cNvPicPr>
+          <p:nvPr/>
+        </p:nvPicPr>
+        <p:blipFill>
+          <a:blip r:embed="rId4"/>
+          <a:stretch>
+            <a:fillRect/>
+          </a:stretch>
+        </p:blipFill>
+        <p:spPr>
+          <a:xfrm>
+            <a:off x="233916" y="1967622"/>
+            <a:ext cx="2482945" cy="2140470"/>
+          </a:xfrm>
+          <a:prstGeom prst="rect">
+            <a:avLst/>
+          </a:prstGeom>
+        </p:spPr>
+      </p:pic>
+      <p:pic>
+        <p:nvPicPr>
+          <p:cNvPr id="9" name="Picture 8">
+            <a:extLst>
+              <a:ext uri="{FF2B5EF4-FFF2-40B4-BE49-F238E27FC236}">
+                <a16:creationId xmlns:a16="http://schemas.microsoft.com/office/drawing/2014/main" id="{ADC2A8FD-FA58-733D-9973-A713962AF81A}"/>
+              </a:ext>
+            </a:extLst>
+          </p:cNvPr>
+          <p:cNvPicPr>
+            <a:picLocks noChangeAspect="1"/>
+          </p:cNvPicPr>
+          <p:nvPr/>
+        </p:nvPicPr>
+        <p:blipFill>
+          <a:blip r:embed="rId5"/>
+          <a:stretch>
+            <a:fillRect/>
+          </a:stretch>
+        </p:blipFill>
+        <p:spPr>
+          <a:xfrm>
+            <a:off x="254211" y="4729759"/>
+            <a:ext cx="2462650" cy="886943"/>
+          </a:xfrm>
+          <a:prstGeom prst="rect">
+            <a:avLst/>
+          </a:prstGeom>
+        </p:spPr>
+      </p:pic>
+      <p:sp>
+        <p:nvSpPr>
+          <p:cNvPr id="11" name="TextBox 10">
+            <a:extLst>
+              <a:ext uri="{FF2B5EF4-FFF2-40B4-BE49-F238E27FC236}">
+                <a16:creationId xmlns:a16="http://schemas.microsoft.com/office/drawing/2014/main" id="{46D8B530-7448-CE78-894B-92FE78E8739F}"/>
+              </a:ext>
+            </a:extLst>
+          </p:cNvPr>
+          <p:cNvSpPr txBox="1"/>
+          <p:nvPr/>
+        </p:nvSpPr>
+        <p:spPr>
+          <a:xfrm>
+            <a:off x="254211" y="4168043"/>
+            <a:ext cx="2654490" cy="492443"/>
+          </a:xfrm>
+          <a:prstGeom prst="rect">
+            <a:avLst/>
+          </a:prstGeom>
+          <a:noFill/>
+        </p:spPr>
+        <p:txBody>
+          <a:bodyPr wrap="square">
+            <a:spAutoFit/>
+          </a:bodyPr>
+          <a:lstStyle/>
+          <a:p>
+            <a:pPr>
+              <a:buNone/>
+            </a:pPr>
+            <a:r>
+              <a:rPr lang="en-SG" sz="1300" dirty="0">
+                <a:effectLst/>
+                <a:latin typeface="Calibri" panose="020F0502020204030204" pitchFamily="34" charset="0"/>
+                <a:cs typeface="Calibri" panose="020F0502020204030204" pitchFamily="34" charset="0"/>
+              </a:rPr>
+              <a:t>Idea 2: Weighted Interval Interpolation</a:t>
+            </a:r>
+          </a:p>
+        </p:txBody>
+      </p:sp>
+      <p:pic>
+        <p:nvPicPr>
+          <p:cNvPr id="12" name="Picture 11">
+            <a:extLst>
+              <a:ext uri="{FF2B5EF4-FFF2-40B4-BE49-F238E27FC236}">
+                <a16:creationId xmlns:a16="http://schemas.microsoft.com/office/drawing/2014/main" id="{146C5964-BB0A-D661-72E0-92E06BD0B423}"/>
+              </a:ext>
+            </a:extLst>
+          </p:cNvPr>
+          <p:cNvPicPr>
+            <a:picLocks noChangeAspect="1"/>
+          </p:cNvPicPr>
+          <p:nvPr/>
+        </p:nvPicPr>
+        <p:blipFill>
+          <a:blip r:embed="rId6"/>
+          <a:srcRect b="47019"/>
+          <a:stretch>
+            <a:fillRect/>
+          </a:stretch>
+        </p:blipFill>
+        <p:spPr>
+          <a:xfrm>
+            <a:off x="2679413" y="2721895"/>
+            <a:ext cx="6230671" cy="2260573"/>
+          </a:xfrm>
+          <a:prstGeom prst="rect">
+            <a:avLst/>
+          </a:prstGeom>
+        </p:spPr>
+      </p:pic>
+    </p:spTree>
+    <p:extLst>
+      <p:ext uri="{BB962C8B-B14F-4D97-AF65-F5344CB8AC3E}">
+        <p14:creationId xmlns:p14="http://schemas.microsoft.com/office/powerpoint/2010/main" val="2001932986"/>
+      </p:ext>
+    </p:extLst>
+  </p:cSld>
+  <p:clrMapOvr>
+    <a:masterClrMapping/>
+  </p:clrMapOvr>
+</p:sld>
+</file>
+
+<file path=ppt/slides/slide8.xml><?xml version="1.0" encoding="utf-8"?>
+<p:sld xmlns:a="http://schemas.openxmlformats.org/drawingml/2006/main" xmlns:r="http://schemas.openxmlformats.org/officeDocument/2006/relationships" xmlns:p="http://schemas.openxmlformats.org/presentationml/2006/main">
+  <p:cSld>
+    <p:spTree>
+      <p:nvGrpSpPr>
+        <p:cNvPr id="1" name="">
+          <a:extLst>
+            <a:ext uri="{FF2B5EF4-FFF2-40B4-BE49-F238E27FC236}">
+              <a16:creationId xmlns:a16="http://schemas.microsoft.com/office/drawing/2014/main" id="{CF7E5B2D-62BE-65DB-FC9A-93F437EFEB6C}"/>
+            </a:ext>
+          </a:extLst>
+        </p:cNvPr>
+        <p:cNvGrpSpPr/>
+        <p:nvPr/>
+      </p:nvGrpSpPr>
+      <p:grpSpPr>
+        <a:xfrm>
+          <a:off x="0" y="0"/>
+          <a:ext cx="0" cy="0"/>
+          <a:chOff x="0" y="0"/>
+          <a:chExt cx="0" cy="0"/>
+        </a:xfrm>
+      </p:grpSpPr>
+      <p:sp>
+        <p:nvSpPr>
+          <p:cNvPr id="2" name="TextBox 1">
+            <a:extLst>
+              <a:ext uri="{FF2B5EF4-FFF2-40B4-BE49-F238E27FC236}">
+                <a16:creationId xmlns:a16="http://schemas.microsoft.com/office/drawing/2014/main" id="{3CD25B29-E17C-278A-19C2-C736E616C606}"/>
+              </a:ext>
+            </a:extLst>
+          </p:cNvPr>
+          <p:cNvSpPr txBox="1"/>
+          <p:nvPr/>
+        </p:nvSpPr>
+        <p:spPr>
+          <a:xfrm>
+            <a:off x="233916" y="158059"/>
+            <a:ext cx="5442003" cy="646331"/>
+          </a:xfrm>
+          <a:prstGeom prst="rect">
+            <a:avLst/>
+          </a:prstGeom>
+          <a:noFill/>
+        </p:spPr>
+        <p:txBody>
+          <a:bodyPr wrap="none" rtlCol="0">
+            <a:spAutoFit/>
+          </a:bodyPr>
+          <a:lstStyle/>
+          <a:p>
+            <a:r>
+              <a:rPr lang="en-US" b="1" dirty="0">
+                <a:latin typeface="Calibri" panose="020F0502020204030204" pitchFamily="34" charset="0"/>
+                <a:cs typeface="Calibri" panose="020F0502020204030204" pitchFamily="34" charset="0"/>
+              </a:rPr>
+              <a:t>Part 1 – Predicting the Total Inventory Usage Rate (4/5)</a:t>
+            </a:r>
+          </a:p>
+          <a:p>
+            <a:r>
+              <a:rPr lang="en-US" b="1" dirty="0">
+                <a:latin typeface="Calibri" panose="020F0502020204030204" pitchFamily="34" charset="0"/>
+                <a:cs typeface="Calibri" panose="020F0502020204030204" pitchFamily="34" charset="0"/>
+              </a:rPr>
+              <a:t>Interpolated Inter Horizon for the 3 Models</a:t>
+            </a:r>
+          </a:p>
+        </p:txBody>
+      </p:sp>
+      <p:cxnSp>
+        <p:nvCxnSpPr>
+          <p:cNvPr id="3" name="Straight Connector 2">
+            <a:extLst>
+              <a:ext uri="{FF2B5EF4-FFF2-40B4-BE49-F238E27FC236}">
+                <a16:creationId xmlns:a16="http://schemas.microsoft.com/office/drawing/2014/main" id="{85A2BCD0-77DC-75F7-5900-797707A4E264}"/>
+              </a:ext>
+            </a:extLst>
+          </p:cNvPr>
+          <p:cNvCxnSpPr>
+            <a:cxnSpLocks/>
+          </p:cNvCxnSpPr>
+          <p:nvPr/>
+        </p:nvCxnSpPr>
+        <p:spPr>
+          <a:xfrm>
+            <a:off x="254211" y="896479"/>
+            <a:ext cx="5991368" cy="0"/>
+          </a:xfrm>
+          <a:prstGeom prst="line">
+            <a:avLst/>
+          </a:prstGeom>
+          <a:ln>
+            <a:solidFill>
+              <a:schemeClr val="tx1">
+                <a:lumMod val="50000"/>
+                <a:lumOff val="50000"/>
+              </a:schemeClr>
+            </a:solidFill>
+          </a:ln>
+        </p:spPr>
+        <p:style>
+          <a:lnRef idx="2">
+            <a:schemeClr val="accent1"/>
+          </a:lnRef>
+          <a:fillRef idx="0">
+            <a:schemeClr val="accent1"/>
+          </a:fillRef>
+          <a:effectRef idx="1">
+            <a:schemeClr val="accent1"/>
+          </a:effectRef>
+          <a:fontRef idx="minor">
+            <a:schemeClr val="tx1"/>
+          </a:fontRef>
+        </p:style>
+      </p:cxnSp>
+      <p:pic>
+        <p:nvPicPr>
+          <p:cNvPr id="8" name="Picture 7">
+            <a:extLst>
+              <a:ext uri="{FF2B5EF4-FFF2-40B4-BE49-F238E27FC236}">
+                <a16:creationId xmlns:a16="http://schemas.microsoft.com/office/drawing/2014/main" id="{E6FED452-ABA0-94D4-17C9-C184D5A7B788}"/>
+              </a:ext>
+            </a:extLst>
+          </p:cNvPr>
+          <p:cNvPicPr>
+            <a:picLocks noChangeAspect="1"/>
+          </p:cNvPicPr>
+          <p:nvPr/>
+        </p:nvPicPr>
+        <p:blipFill>
+          <a:blip r:embed="rId3"/>
+          <a:srcRect l="11361" r="8198" b="47019"/>
+          <a:stretch>
+            <a:fillRect/>
+          </a:stretch>
+        </p:blipFill>
+        <p:spPr>
+          <a:xfrm>
+            <a:off x="95534" y="1166051"/>
+            <a:ext cx="8761864" cy="3951856"/>
           </a:xfrm>
           <a:prstGeom prst="rect">
             <a:avLst/>
@@ -14380,7 +15076,7 @@
 </p:sld>
 </file>
 
-<file path=ppt/slides/slide8.xml><?xml version="1.0" encoding="utf-8"?>
+<file path=ppt/slides/slide9.xml><?xml version="1.0" encoding="utf-8"?>
 <p:sld xmlns:a="http://schemas.openxmlformats.org/drawingml/2006/main" xmlns:r="http://schemas.openxmlformats.org/officeDocument/2006/relationships" xmlns:p="http://schemas.openxmlformats.org/presentationml/2006/main">
   <p:cSld>
     <p:spTree>
@@ -14591,93 +15287,70 @@
           </a:p>
         </p:txBody>
       </p:sp>
+      <p:pic>
+        <p:nvPicPr>
+          <p:cNvPr id="7" name="Picture 6">
+            <a:extLst>
+              <a:ext uri="{FF2B5EF4-FFF2-40B4-BE49-F238E27FC236}">
+                <a16:creationId xmlns:a16="http://schemas.microsoft.com/office/drawing/2014/main" id="{F2C4AE36-6D63-D098-F41B-5E8711AC2EF3}"/>
+              </a:ext>
+            </a:extLst>
+          </p:cNvPr>
+          <p:cNvPicPr>
+            <a:picLocks noChangeAspect="1"/>
+          </p:cNvPicPr>
+          <p:nvPr/>
+        </p:nvPicPr>
+        <p:blipFill>
+          <a:blip r:embed="rId4"/>
+          <a:stretch>
+            <a:fillRect/>
+          </a:stretch>
+        </p:blipFill>
+        <p:spPr>
+          <a:xfrm>
+            <a:off x="5072738" y="3606420"/>
+            <a:ext cx="3886200" cy="2894659"/>
+          </a:xfrm>
+          <a:prstGeom prst="rect">
+            <a:avLst/>
+          </a:prstGeom>
+        </p:spPr>
+      </p:pic>
+      <p:pic>
+        <p:nvPicPr>
+          <p:cNvPr id="8" name="Picture 7">
+            <a:extLst>
+              <a:ext uri="{FF2B5EF4-FFF2-40B4-BE49-F238E27FC236}">
+                <a16:creationId xmlns:a16="http://schemas.microsoft.com/office/drawing/2014/main" id="{5AD61578-5299-E4E7-B90B-1474606EA335}"/>
+              </a:ext>
+            </a:extLst>
+          </p:cNvPr>
+          <p:cNvPicPr>
+            <a:picLocks noChangeAspect="1"/>
+          </p:cNvPicPr>
+          <p:nvPr/>
+        </p:nvPicPr>
+        <p:blipFill>
+          <a:blip r:embed="rId5"/>
+          <a:stretch>
+            <a:fillRect/>
+          </a:stretch>
+        </p:blipFill>
+        <p:spPr>
+          <a:xfrm>
+            <a:off x="5209216" y="604808"/>
+            <a:ext cx="3749722" cy="2824191"/>
+          </a:xfrm>
+          <a:prstGeom prst="rect">
+            <a:avLst/>
+          </a:prstGeom>
+        </p:spPr>
+      </p:pic>
     </p:spTree>
     <p:extLst>
       <p:ext uri="{BB962C8B-B14F-4D97-AF65-F5344CB8AC3E}">
         <p14:creationId xmlns:p14="http://schemas.microsoft.com/office/powerpoint/2010/main" val="2233069002"/>
-      </p:ext>
-    </p:extLst>
-  </p:cSld>
-  <p:clrMapOvr>
-    <a:masterClrMapping/>
-  </p:clrMapOvr>
-</p:sld>
-</file>
-
-<file path=ppt/slides/slide9.xml><?xml version="1.0" encoding="utf-8"?>
-<p:sld xmlns:a="http://schemas.openxmlformats.org/drawingml/2006/main" xmlns:r="http://schemas.openxmlformats.org/officeDocument/2006/relationships" xmlns:p="http://schemas.openxmlformats.org/presentationml/2006/main">
-  <p:cSld>
-    <p:spTree>
-      <p:nvGrpSpPr>
-        <p:cNvPr id="1" name="">
-          <a:extLst>
-            <a:ext uri="{FF2B5EF4-FFF2-40B4-BE49-F238E27FC236}">
-              <a16:creationId xmlns:a16="http://schemas.microsoft.com/office/drawing/2014/main" id="{24F61CED-C71B-F810-5781-E4ECCE742B8E}"/>
-            </a:ext>
-          </a:extLst>
-        </p:cNvPr>
-        <p:cNvGrpSpPr/>
-        <p:nvPr/>
-      </p:nvGrpSpPr>
-      <p:grpSpPr>
-        <a:xfrm>
-          <a:off x="0" y="0"/>
-          <a:ext cx="0" cy="0"/>
-          <a:chOff x="0" y="0"/>
-          <a:chExt cx="0" cy="0"/>
-        </a:xfrm>
-      </p:grpSpPr>
-      <p:sp>
-        <p:nvSpPr>
-          <p:cNvPr id="2" name="TextBox 1">
-            <a:extLst>
-              <a:ext uri="{FF2B5EF4-FFF2-40B4-BE49-F238E27FC236}">
-                <a16:creationId xmlns:a16="http://schemas.microsoft.com/office/drawing/2014/main" id="{91704775-EBFE-D144-FB24-18DF19FFA0E2}"/>
-              </a:ext>
-            </a:extLst>
-          </p:cNvPr>
-          <p:cNvSpPr txBox="1"/>
-          <p:nvPr/>
-        </p:nvSpPr>
-        <p:spPr>
-          <a:xfrm>
-            <a:off x="233916" y="158059"/>
-            <a:ext cx="6857005" cy="646331"/>
-          </a:xfrm>
-          <a:prstGeom prst="rect">
-            <a:avLst/>
-          </a:prstGeom>
-          <a:noFill/>
-        </p:spPr>
-        <p:txBody>
-          <a:bodyPr wrap="none" rtlCol="0">
-            <a:spAutoFit/>
-          </a:bodyPr>
-          <a:lstStyle/>
-          <a:p>
-            <a:r>
-              <a:rPr lang="en-US" b="1" dirty="0">
-                <a:latin typeface="Calibri" panose="020F0502020204030204" pitchFamily="34" charset="0"/>
-                <a:cs typeface="Calibri" panose="020F0502020204030204" pitchFamily="34" charset="0"/>
-              </a:rPr>
-              <a:t>Part 2 – Predicting the EFP Usage Rate (2/3)</a:t>
-            </a:r>
-          </a:p>
-          <a:p>
-            <a:r>
-              <a:rPr lang="en-US" b="1" dirty="0">
-                <a:latin typeface="Calibri" panose="020F0502020204030204" pitchFamily="34" charset="0"/>
-                <a:cs typeface="Calibri" panose="020F0502020204030204" pitchFamily="34" charset="0"/>
-              </a:rPr>
-              <a:t>Prediction Results for EFP Usage Rate with the Best Performing Model </a:t>
-            </a:r>
-          </a:p>
-        </p:txBody>
-      </p:sp>
-    </p:spTree>
-    <p:extLst>
-      <p:ext uri="{BB962C8B-B14F-4D97-AF65-F5344CB8AC3E}">
-        <p14:creationId xmlns:p14="http://schemas.microsoft.com/office/powerpoint/2010/main" val="2684836681"/>
       </p:ext>
     </p:extLst>
   </p:cSld>
